--- a/Paper Reading/____Writing/Fig_Pre-defined Mono XRTriggerable.pptx
+++ b/Paper Reading/____Writing/Fig_Pre-defined Mono XRTriggerable.pptx
@@ -2,12 +2,12 @@
 <file path=ppt/presentation.xml><?xml version="1.0" encoding="utf-8"?>
 <p:presentation xmlns:a="http://schemas.openxmlformats.org/drawingml/2006/main" xmlns:r="http://schemas.openxmlformats.org/officeDocument/2006/relationships" xmlns:p="http://schemas.openxmlformats.org/presentationml/2006/main" saveSubsetFonts="1">
   <p:sldMasterIdLst>
-    <p:sldMasterId id="2147483672" r:id="rId1"/>
+    <p:sldMasterId id="2147483696" r:id="rId1"/>
   </p:sldMasterIdLst>
   <p:sldIdLst>
     <p:sldId id="256" r:id="rId2"/>
   </p:sldIdLst>
-  <p:sldSz cx="7920038" cy="3959225"/>
+  <p:sldSz cx="5040313" cy="2160588"/>
   <p:notesSz cx="6858000" cy="9144000"/>
   <p:defaultTextStyle>
     <a:defPPr>
@@ -104,6 +104,11 @@
       </a:defRPr>
     </a:lvl9pPr>
   </p:defaultTextStyle>
+  <p:extLst>
+    <p:ext uri="{EFAFB233-063F-42B5-8137-9DF3F51BA10A}">
+      <p15:sldGuideLst xmlns:p15="http://schemas.microsoft.com/office/powerpoint/2012/main"/>
+    </p:ext>
+  </p:extLst>
 </p:presentation>
 </file>
 
@@ -136,15 +141,15 @@
         </p:nvSpPr>
         <p:spPr>
           <a:xfrm>
-            <a:off x="990005" y="647957"/>
-            <a:ext cx="5940029" cy="1378397"/>
+            <a:off x="630039" y="353596"/>
+            <a:ext cx="3780235" cy="752205"/>
           </a:xfrm>
         </p:spPr>
         <p:txBody>
           <a:bodyPr anchor="b"/>
           <a:lstStyle>
             <a:lvl1pPr algn="ctr">
-              <a:defRPr sz="3464"/>
+              <a:defRPr sz="1890"/>
             </a:lvl1pPr>
           </a:lstStyle>
           <a:p>
@@ -168,8 +173,8 @@
         </p:nvSpPr>
         <p:spPr>
           <a:xfrm>
-            <a:off x="990005" y="2079510"/>
-            <a:ext cx="5940029" cy="955896"/>
+            <a:off x="630039" y="1134809"/>
+            <a:ext cx="3780235" cy="521642"/>
           </a:xfrm>
         </p:spPr>
         <p:txBody>
@@ -177,39 +182,39 @@
           <a:lstStyle>
             <a:lvl1pPr marL="0" indent="0" algn="ctr">
               <a:buNone/>
-              <a:defRPr sz="1386"/>
+              <a:defRPr sz="756"/>
             </a:lvl1pPr>
-            <a:lvl2pPr marL="263942" indent="0" algn="ctr">
-              <a:buNone/>
-              <a:defRPr sz="1155"/>
+            <a:lvl2pPr marL="144018" indent="0" algn="ctr">
+              <a:buNone/>
+              <a:defRPr sz="630"/>
             </a:lvl2pPr>
-            <a:lvl3pPr marL="527883" indent="0" algn="ctr">
-              <a:buNone/>
-              <a:defRPr sz="1039"/>
+            <a:lvl3pPr marL="288036" indent="0" algn="ctr">
+              <a:buNone/>
+              <a:defRPr sz="567"/>
             </a:lvl3pPr>
-            <a:lvl4pPr marL="791825" indent="0" algn="ctr">
-              <a:buNone/>
-              <a:defRPr sz="924"/>
+            <a:lvl4pPr marL="432054" indent="0" algn="ctr">
+              <a:buNone/>
+              <a:defRPr sz="504"/>
             </a:lvl4pPr>
-            <a:lvl5pPr marL="1055766" indent="0" algn="ctr">
-              <a:buNone/>
-              <a:defRPr sz="924"/>
+            <a:lvl5pPr marL="576072" indent="0" algn="ctr">
+              <a:buNone/>
+              <a:defRPr sz="504"/>
             </a:lvl5pPr>
-            <a:lvl6pPr marL="1319708" indent="0" algn="ctr">
-              <a:buNone/>
-              <a:defRPr sz="924"/>
+            <a:lvl6pPr marL="720090" indent="0" algn="ctr">
+              <a:buNone/>
+              <a:defRPr sz="504"/>
             </a:lvl6pPr>
-            <a:lvl7pPr marL="1583649" indent="0" algn="ctr">
-              <a:buNone/>
-              <a:defRPr sz="924"/>
+            <a:lvl7pPr marL="864108" indent="0" algn="ctr">
+              <a:buNone/>
+              <a:defRPr sz="504"/>
             </a:lvl7pPr>
-            <a:lvl8pPr marL="1847591" indent="0" algn="ctr">
-              <a:buNone/>
-              <a:defRPr sz="924"/>
+            <a:lvl8pPr marL="1008126" indent="0" algn="ctr">
+              <a:buNone/>
+              <a:defRPr sz="504"/>
             </a:lvl8pPr>
-            <a:lvl9pPr marL="2111532" indent="0" algn="ctr">
-              <a:buNone/>
-              <a:defRPr sz="924"/>
+            <a:lvl9pPr marL="1152144" indent="0" algn="ctr">
+              <a:buNone/>
+              <a:defRPr sz="504"/>
             </a:lvl9pPr>
           </a:lstStyle>
           <a:p>
@@ -238,7 +243,7 @@
           <a:p>
             <a:fld id="{C8AF0344-115F-42E2-BBD1-C4C012BFAD78}" type="datetimeFigureOut">
               <a:rPr lang="zh-CN" altLang="en-US" smtClean="0"/>
-              <a:t>2025/3/29</a:t>
+              <a:t>2025/5/28</a:t>
             </a:fld>
             <a:endParaRPr lang="zh-CN" altLang="en-US"/>
           </a:p>
@@ -289,7 +294,7 @@
     </p:spTree>
     <p:extLst>
       <p:ext uri="{BB962C8B-B14F-4D97-AF65-F5344CB8AC3E}">
-        <p14:creationId xmlns:p14="http://schemas.microsoft.com/office/powerpoint/2010/main" val="2835410765"/>
+        <p14:creationId xmlns:p14="http://schemas.microsoft.com/office/powerpoint/2010/main" val="3677204901"/>
       </p:ext>
     </p:extLst>
   </p:cSld>
@@ -408,7 +413,7 @@
           <a:p>
             <a:fld id="{C8AF0344-115F-42E2-BBD1-C4C012BFAD78}" type="datetimeFigureOut">
               <a:rPr lang="zh-CN" altLang="en-US" smtClean="0"/>
-              <a:t>2025/3/29</a:t>
+              <a:t>2025/5/28</a:t>
             </a:fld>
             <a:endParaRPr lang="zh-CN" altLang="en-US"/>
           </a:p>
@@ -459,7 +464,7 @@
     </p:spTree>
     <p:extLst>
       <p:ext uri="{BB962C8B-B14F-4D97-AF65-F5344CB8AC3E}">
-        <p14:creationId xmlns:p14="http://schemas.microsoft.com/office/powerpoint/2010/main" val="3327396271"/>
+        <p14:creationId xmlns:p14="http://schemas.microsoft.com/office/powerpoint/2010/main" val="2884185310"/>
       </p:ext>
     </p:extLst>
   </p:cSld>
@@ -498,8 +503,8 @@
         </p:nvSpPr>
         <p:spPr>
           <a:xfrm>
-            <a:off x="5667777" y="210792"/>
-            <a:ext cx="1707758" cy="3355260"/>
+            <a:off x="3606974" y="115032"/>
+            <a:ext cx="1086817" cy="1830998"/>
           </a:xfrm>
         </p:spPr>
         <p:txBody>
@@ -526,8 +531,8 @@
         </p:nvSpPr>
         <p:spPr>
           <a:xfrm>
-            <a:off x="544503" y="210792"/>
-            <a:ext cx="5024274" cy="3355260"/>
+            <a:off x="346521" y="115032"/>
+            <a:ext cx="3197449" cy="1830998"/>
           </a:xfrm>
         </p:spPr>
         <p:txBody>
@@ -588,7 +593,7 @@
           <a:p>
             <a:fld id="{C8AF0344-115F-42E2-BBD1-C4C012BFAD78}" type="datetimeFigureOut">
               <a:rPr lang="zh-CN" altLang="en-US" smtClean="0"/>
-              <a:t>2025/3/29</a:t>
+              <a:t>2025/5/28</a:t>
             </a:fld>
             <a:endParaRPr lang="zh-CN" altLang="en-US"/>
           </a:p>
@@ -639,7 +644,7 @@
     </p:spTree>
     <p:extLst>
       <p:ext uri="{BB962C8B-B14F-4D97-AF65-F5344CB8AC3E}">
-        <p14:creationId xmlns:p14="http://schemas.microsoft.com/office/powerpoint/2010/main" val="2875166404"/>
+        <p14:creationId xmlns:p14="http://schemas.microsoft.com/office/powerpoint/2010/main" val="2029448404"/>
       </p:ext>
     </p:extLst>
   </p:cSld>
@@ -758,7 +763,7 @@
           <a:p>
             <a:fld id="{C8AF0344-115F-42E2-BBD1-C4C012BFAD78}" type="datetimeFigureOut">
               <a:rPr lang="zh-CN" altLang="en-US" smtClean="0"/>
-              <a:t>2025/3/29</a:t>
+              <a:t>2025/5/28</a:t>
             </a:fld>
             <a:endParaRPr lang="zh-CN" altLang="en-US"/>
           </a:p>
@@ -809,7 +814,7 @@
     </p:spTree>
     <p:extLst>
       <p:ext uri="{BB962C8B-B14F-4D97-AF65-F5344CB8AC3E}">
-        <p14:creationId xmlns:p14="http://schemas.microsoft.com/office/powerpoint/2010/main" val="3283331857"/>
+        <p14:creationId xmlns:p14="http://schemas.microsoft.com/office/powerpoint/2010/main" val="3228633128"/>
       </p:ext>
     </p:extLst>
   </p:cSld>
@@ -848,15 +853,15 @@
         </p:nvSpPr>
         <p:spPr>
           <a:xfrm>
-            <a:off x="540377" y="987058"/>
-            <a:ext cx="6831033" cy="1646927"/>
+            <a:off x="343896" y="538647"/>
+            <a:ext cx="4347270" cy="898744"/>
           </a:xfrm>
         </p:spPr>
         <p:txBody>
           <a:bodyPr anchor="b"/>
           <a:lstStyle>
             <a:lvl1pPr>
-              <a:defRPr sz="3464"/>
+              <a:defRPr sz="1890"/>
             </a:lvl1pPr>
           </a:lstStyle>
           <a:p>
@@ -880,8 +885,8 @@
         </p:nvSpPr>
         <p:spPr>
           <a:xfrm>
-            <a:off x="540377" y="2649565"/>
-            <a:ext cx="6831033" cy="866080"/>
+            <a:off x="343896" y="1445894"/>
+            <a:ext cx="4347270" cy="472628"/>
           </a:xfrm>
         </p:spPr>
         <p:txBody>
@@ -889,7 +894,7 @@
           <a:lstStyle>
             <a:lvl1pPr marL="0" indent="0">
               <a:buNone/>
-              <a:defRPr sz="1386">
+              <a:defRPr sz="756">
                 <a:solidFill>
                   <a:schemeClr val="tx1">
                     <a:tint val="75000"/>
@@ -897,9 +902,9 @@
                 </a:solidFill>
               </a:defRPr>
             </a:lvl1pPr>
-            <a:lvl2pPr marL="263942" indent="0">
-              <a:buNone/>
-              <a:defRPr sz="1155">
+            <a:lvl2pPr marL="144018" indent="0">
+              <a:buNone/>
+              <a:defRPr sz="630">
                 <a:solidFill>
                   <a:schemeClr val="tx1">
                     <a:tint val="75000"/>
@@ -907,9 +912,9 @@
                 </a:solidFill>
               </a:defRPr>
             </a:lvl2pPr>
-            <a:lvl3pPr marL="527883" indent="0">
-              <a:buNone/>
-              <a:defRPr sz="1039">
+            <a:lvl3pPr marL="288036" indent="0">
+              <a:buNone/>
+              <a:defRPr sz="567">
                 <a:solidFill>
                   <a:schemeClr val="tx1">
                     <a:tint val="75000"/>
@@ -917,9 +922,9 @@
                 </a:solidFill>
               </a:defRPr>
             </a:lvl3pPr>
-            <a:lvl4pPr marL="791825" indent="0">
-              <a:buNone/>
-              <a:defRPr sz="924">
+            <a:lvl4pPr marL="432054" indent="0">
+              <a:buNone/>
+              <a:defRPr sz="504">
                 <a:solidFill>
                   <a:schemeClr val="tx1">
                     <a:tint val="75000"/>
@@ -927,9 +932,9 @@
                 </a:solidFill>
               </a:defRPr>
             </a:lvl4pPr>
-            <a:lvl5pPr marL="1055766" indent="0">
-              <a:buNone/>
-              <a:defRPr sz="924">
+            <a:lvl5pPr marL="576072" indent="0">
+              <a:buNone/>
+              <a:defRPr sz="504">
                 <a:solidFill>
                   <a:schemeClr val="tx1">
                     <a:tint val="75000"/>
@@ -937,9 +942,9 @@
                 </a:solidFill>
               </a:defRPr>
             </a:lvl5pPr>
-            <a:lvl6pPr marL="1319708" indent="0">
-              <a:buNone/>
-              <a:defRPr sz="924">
+            <a:lvl6pPr marL="720090" indent="0">
+              <a:buNone/>
+              <a:defRPr sz="504">
                 <a:solidFill>
                   <a:schemeClr val="tx1">
                     <a:tint val="75000"/>
@@ -947,9 +952,9 @@
                 </a:solidFill>
               </a:defRPr>
             </a:lvl6pPr>
-            <a:lvl7pPr marL="1583649" indent="0">
-              <a:buNone/>
-              <a:defRPr sz="924">
+            <a:lvl7pPr marL="864108" indent="0">
+              <a:buNone/>
+              <a:defRPr sz="504">
                 <a:solidFill>
                   <a:schemeClr val="tx1">
                     <a:tint val="75000"/>
@@ -957,9 +962,9 @@
                 </a:solidFill>
               </a:defRPr>
             </a:lvl7pPr>
-            <a:lvl8pPr marL="1847591" indent="0">
-              <a:buNone/>
-              <a:defRPr sz="924">
+            <a:lvl8pPr marL="1008126" indent="0">
+              <a:buNone/>
+              <a:defRPr sz="504">
                 <a:solidFill>
                   <a:schemeClr val="tx1">
                     <a:tint val="75000"/>
@@ -967,9 +972,9 @@
                 </a:solidFill>
               </a:defRPr>
             </a:lvl8pPr>
-            <a:lvl9pPr marL="2111532" indent="0">
-              <a:buNone/>
-              <a:defRPr sz="924">
+            <a:lvl9pPr marL="1152144" indent="0">
+              <a:buNone/>
+              <a:defRPr sz="504">
                 <a:solidFill>
                   <a:schemeClr val="tx1">
                     <a:tint val="75000"/>
@@ -1004,7 +1009,7 @@
           <a:p>
             <a:fld id="{C8AF0344-115F-42E2-BBD1-C4C012BFAD78}" type="datetimeFigureOut">
               <a:rPr lang="zh-CN" altLang="en-US" smtClean="0"/>
-              <a:t>2025/3/29</a:t>
+              <a:t>2025/5/28</a:t>
             </a:fld>
             <a:endParaRPr lang="zh-CN" altLang="en-US"/>
           </a:p>
@@ -1055,7 +1060,7 @@
     </p:spTree>
     <p:extLst>
       <p:ext uri="{BB962C8B-B14F-4D97-AF65-F5344CB8AC3E}">
-        <p14:creationId xmlns:p14="http://schemas.microsoft.com/office/powerpoint/2010/main" val="1988015007"/>
+        <p14:creationId xmlns:p14="http://schemas.microsoft.com/office/powerpoint/2010/main" val="3436920410"/>
       </p:ext>
     </p:extLst>
   </p:cSld>
@@ -1117,8 +1122,8 @@
         </p:nvSpPr>
         <p:spPr>
           <a:xfrm>
-            <a:off x="544503" y="1053960"/>
-            <a:ext cx="3366016" cy="2512092"/>
+            <a:off x="346522" y="575157"/>
+            <a:ext cx="2142133" cy="1370873"/>
           </a:xfrm>
         </p:spPr>
         <p:txBody>
@@ -1174,8 +1179,8 @@
         </p:nvSpPr>
         <p:spPr>
           <a:xfrm>
-            <a:off x="4009519" y="1053960"/>
-            <a:ext cx="3366016" cy="2512092"/>
+            <a:off x="2551658" y="575157"/>
+            <a:ext cx="2142133" cy="1370873"/>
           </a:xfrm>
         </p:spPr>
         <p:txBody>
@@ -1236,7 +1241,7 @@
           <a:p>
             <a:fld id="{C8AF0344-115F-42E2-BBD1-C4C012BFAD78}" type="datetimeFigureOut">
               <a:rPr lang="zh-CN" altLang="en-US" smtClean="0"/>
-              <a:t>2025/3/29</a:t>
+              <a:t>2025/5/28</a:t>
             </a:fld>
             <a:endParaRPr lang="zh-CN" altLang="en-US"/>
           </a:p>
@@ -1287,7 +1292,7 @@
     </p:spTree>
     <p:extLst>
       <p:ext uri="{BB962C8B-B14F-4D97-AF65-F5344CB8AC3E}">
-        <p14:creationId xmlns:p14="http://schemas.microsoft.com/office/powerpoint/2010/main" val="1620620504"/>
+        <p14:creationId xmlns:p14="http://schemas.microsoft.com/office/powerpoint/2010/main" val="3692251397"/>
       </p:ext>
     </p:extLst>
   </p:cSld>
@@ -1326,8 +1331,8 @@
         </p:nvSpPr>
         <p:spPr>
           <a:xfrm>
-            <a:off x="545534" y="210792"/>
-            <a:ext cx="6831033" cy="765267"/>
+            <a:off x="347178" y="115031"/>
+            <a:ext cx="4347270" cy="417614"/>
           </a:xfrm>
         </p:spPr>
         <p:txBody>
@@ -1354,8 +1359,8 @@
         </p:nvSpPr>
         <p:spPr>
           <a:xfrm>
-            <a:off x="545535" y="970560"/>
-            <a:ext cx="3350547" cy="475657"/>
+            <a:off x="347178" y="529645"/>
+            <a:ext cx="2132288" cy="259570"/>
           </a:xfrm>
         </p:spPr>
         <p:txBody>
@@ -1363,39 +1368,39 @@
           <a:lstStyle>
             <a:lvl1pPr marL="0" indent="0">
               <a:buNone/>
-              <a:defRPr sz="1386" b="1"/>
+              <a:defRPr sz="756" b="1"/>
             </a:lvl1pPr>
-            <a:lvl2pPr marL="263942" indent="0">
-              <a:buNone/>
-              <a:defRPr sz="1155" b="1"/>
+            <a:lvl2pPr marL="144018" indent="0">
+              <a:buNone/>
+              <a:defRPr sz="630" b="1"/>
             </a:lvl2pPr>
-            <a:lvl3pPr marL="527883" indent="0">
-              <a:buNone/>
-              <a:defRPr sz="1039" b="1"/>
+            <a:lvl3pPr marL="288036" indent="0">
+              <a:buNone/>
+              <a:defRPr sz="567" b="1"/>
             </a:lvl3pPr>
-            <a:lvl4pPr marL="791825" indent="0">
-              <a:buNone/>
-              <a:defRPr sz="924" b="1"/>
+            <a:lvl4pPr marL="432054" indent="0">
+              <a:buNone/>
+              <a:defRPr sz="504" b="1"/>
             </a:lvl4pPr>
-            <a:lvl5pPr marL="1055766" indent="0">
-              <a:buNone/>
-              <a:defRPr sz="924" b="1"/>
+            <a:lvl5pPr marL="576072" indent="0">
+              <a:buNone/>
+              <a:defRPr sz="504" b="1"/>
             </a:lvl5pPr>
-            <a:lvl6pPr marL="1319708" indent="0">
-              <a:buNone/>
-              <a:defRPr sz="924" b="1"/>
+            <a:lvl6pPr marL="720090" indent="0">
+              <a:buNone/>
+              <a:defRPr sz="504" b="1"/>
             </a:lvl6pPr>
-            <a:lvl7pPr marL="1583649" indent="0">
-              <a:buNone/>
-              <a:defRPr sz="924" b="1"/>
+            <a:lvl7pPr marL="864108" indent="0">
+              <a:buNone/>
+              <a:defRPr sz="504" b="1"/>
             </a:lvl7pPr>
-            <a:lvl8pPr marL="1847591" indent="0">
-              <a:buNone/>
-              <a:defRPr sz="924" b="1"/>
+            <a:lvl8pPr marL="1008126" indent="0">
+              <a:buNone/>
+              <a:defRPr sz="504" b="1"/>
             </a:lvl8pPr>
-            <a:lvl9pPr marL="2111532" indent="0">
-              <a:buNone/>
-              <a:defRPr sz="924" b="1"/>
+            <a:lvl9pPr marL="1152144" indent="0">
+              <a:buNone/>
+              <a:defRPr sz="504" b="1"/>
             </a:lvl9pPr>
           </a:lstStyle>
           <a:p>
@@ -1419,8 +1424,8 @@
         </p:nvSpPr>
         <p:spPr>
           <a:xfrm>
-            <a:off x="545535" y="1446217"/>
-            <a:ext cx="3350547" cy="2127167"/>
+            <a:off x="347178" y="789215"/>
+            <a:ext cx="2132288" cy="1160816"/>
           </a:xfrm>
         </p:spPr>
         <p:txBody>
@@ -1476,8 +1481,8 @@
         </p:nvSpPr>
         <p:spPr>
           <a:xfrm>
-            <a:off x="4009519" y="970560"/>
-            <a:ext cx="3367048" cy="475657"/>
+            <a:off x="2551658" y="529645"/>
+            <a:ext cx="2142790" cy="259570"/>
           </a:xfrm>
         </p:spPr>
         <p:txBody>
@@ -1485,39 +1490,39 @@
           <a:lstStyle>
             <a:lvl1pPr marL="0" indent="0">
               <a:buNone/>
-              <a:defRPr sz="1386" b="1"/>
+              <a:defRPr sz="756" b="1"/>
             </a:lvl1pPr>
-            <a:lvl2pPr marL="263942" indent="0">
-              <a:buNone/>
-              <a:defRPr sz="1155" b="1"/>
+            <a:lvl2pPr marL="144018" indent="0">
+              <a:buNone/>
+              <a:defRPr sz="630" b="1"/>
             </a:lvl2pPr>
-            <a:lvl3pPr marL="527883" indent="0">
-              <a:buNone/>
-              <a:defRPr sz="1039" b="1"/>
+            <a:lvl3pPr marL="288036" indent="0">
+              <a:buNone/>
+              <a:defRPr sz="567" b="1"/>
             </a:lvl3pPr>
-            <a:lvl4pPr marL="791825" indent="0">
-              <a:buNone/>
-              <a:defRPr sz="924" b="1"/>
+            <a:lvl4pPr marL="432054" indent="0">
+              <a:buNone/>
+              <a:defRPr sz="504" b="1"/>
             </a:lvl4pPr>
-            <a:lvl5pPr marL="1055766" indent="0">
-              <a:buNone/>
-              <a:defRPr sz="924" b="1"/>
+            <a:lvl5pPr marL="576072" indent="0">
+              <a:buNone/>
+              <a:defRPr sz="504" b="1"/>
             </a:lvl5pPr>
-            <a:lvl6pPr marL="1319708" indent="0">
-              <a:buNone/>
-              <a:defRPr sz="924" b="1"/>
+            <a:lvl6pPr marL="720090" indent="0">
+              <a:buNone/>
+              <a:defRPr sz="504" b="1"/>
             </a:lvl6pPr>
-            <a:lvl7pPr marL="1583649" indent="0">
-              <a:buNone/>
-              <a:defRPr sz="924" b="1"/>
+            <a:lvl7pPr marL="864108" indent="0">
+              <a:buNone/>
+              <a:defRPr sz="504" b="1"/>
             </a:lvl7pPr>
-            <a:lvl8pPr marL="1847591" indent="0">
-              <a:buNone/>
-              <a:defRPr sz="924" b="1"/>
+            <a:lvl8pPr marL="1008126" indent="0">
+              <a:buNone/>
+              <a:defRPr sz="504" b="1"/>
             </a:lvl8pPr>
-            <a:lvl9pPr marL="2111532" indent="0">
-              <a:buNone/>
-              <a:defRPr sz="924" b="1"/>
+            <a:lvl9pPr marL="1152144" indent="0">
+              <a:buNone/>
+              <a:defRPr sz="504" b="1"/>
             </a:lvl9pPr>
           </a:lstStyle>
           <a:p>
@@ -1541,8 +1546,8 @@
         </p:nvSpPr>
         <p:spPr>
           <a:xfrm>
-            <a:off x="4009519" y="1446217"/>
-            <a:ext cx="3367048" cy="2127167"/>
+            <a:off x="2551658" y="789215"/>
+            <a:ext cx="2142790" cy="1160816"/>
           </a:xfrm>
         </p:spPr>
         <p:txBody>
@@ -1603,7 +1608,7 @@
           <a:p>
             <a:fld id="{C8AF0344-115F-42E2-BBD1-C4C012BFAD78}" type="datetimeFigureOut">
               <a:rPr lang="zh-CN" altLang="en-US" smtClean="0"/>
-              <a:t>2025/3/29</a:t>
+              <a:t>2025/5/28</a:t>
             </a:fld>
             <a:endParaRPr lang="zh-CN" altLang="en-US"/>
           </a:p>
@@ -1654,7 +1659,7 @@
     </p:spTree>
     <p:extLst>
       <p:ext uri="{BB962C8B-B14F-4D97-AF65-F5344CB8AC3E}">
-        <p14:creationId xmlns:p14="http://schemas.microsoft.com/office/powerpoint/2010/main" val="4180210632"/>
+        <p14:creationId xmlns:p14="http://schemas.microsoft.com/office/powerpoint/2010/main" val="605435518"/>
       </p:ext>
     </p:extLst>
   </p:cSld>
@@ -1721,7 +1726,7 @@
           <a:p>
             <a:fld id="{C8AF0344-115F-42E2-BBD1-C4C012BFAD78}" type="datetimeFigureOut">
               <a:rPr lang="zh-CN" altLang="en-US" smtClean="0"/>
-              <a:t>2025/3/29</a:t>
+              <a:t>2025/5/28</a:t>
             </a:fld>
             <a:endParaRPr lang="zh-CN" altLang="en-US"/>
           </a:p>
@@ -1772,7 +1777,7 @@
     </p:spTree>
     <p:extLst>
       <p:ext uri="{BB962C8B-B14F-4D97-AF65-F5344CB8AC3E}">
-        <p14:creationId xmlns:p14="http://schemas.microsoft.com/office/powerpoint/2010/main" val="671918781"/>
+        <p14:creationId xmlns:p14="http://schemas.microsoft.com/office/powerpoint/2010/main" val="348186978"/>
       </p:ext>
     </p:extLst>
   </p:cSld>
@@ -1816,7 +1821,7 @@
           <a:p>
             <a:fld id="{C8AF0344-115F-42E2-BBD1-C4C012BFAD78}" type="datetimeFigureOut">
               <a:rPr lang="zh-CN" altLang="en-US" smtClean="0"/>
-              <a:t>2025/3/29</a:t>
+              <a:t>2025/5/28</a:t>
             </a:fld>
             <a:endParaRPr lang="zh-CN" altLang="en-US"/>
           </a:p>
@@ -1867,7 +1872,7 @@
     </p:spTree>
     <p:extLst>
       <p:ext uri="{BB962C8B-B14F-4D97-AF65-F5344CB8AC3E}">
-        <p14:creationId xmlns:p14="http://schemas.microsoft.com/office/powerpoint/2010/main" val="3082299296"/>
+        <p14:creationId xmlns:p14="http://schemas.microsoft.com/office/powerpoint/2010/main" val="2788625635"/>
       </p:ext>
     </p:extLst>
   </p:cSld>
@@ -1906,15 +1911,15 @@
         </p:nvSpPr>
         <p:spPr>
           <a:xfrm>
-            <a:off x="545535" y="263948"/>
-            <a:ext cx="2554418" cy="923819"/>
+            <a:off x="347178" y="144039"/>
+            <a:ext cx="1625632" cy="504137"/>
           </a:xfrm>
         </p:spPr>
         <p:txBody>
           <a:bodyPr anchor="b"/>
           <a:lstStyle>
             <a:lvl1pPr>
-              <a:defRPr sz="1847"/>
+              <a:defRPr sz="1008"/>
             </a:lvl1pPr>
           </a:lstStyle>
           <a:p>
@@ -1938,39 +1943,39 @@
         </p:nvSpPr>
         <p:spPr>
           <a:xfrm>
-            <a:off x="3367048" y="570055"/>
-            <a:ext cx="4009519" cy="2813616"/>
+            <a:off x="2142790" y="311085"/>
+            <a:ext cx="2551658" cy="1535418"/>
           </a:xfrm>
         </p:spPr>
         <p:txBody>
           <a:bodyPr/>
           <a:lstStyle>
             <a:lvl1pPr>
-              <a:defRPr sz="1847"/>
+              <a:defRPr sz="1008"/>
             </a:lvl1pPr>
             <a:lvl2pPr>
-              <a:defRPr sz="1616"/>
+              <a:defRPr sz="882"/>
             </a:lvl2pPr>
             <a:lvl3pPr>
-              <a:defRPr sz="1386"/>
+              <a:defRPr sz="756"/>
             </a:lvl3pPr>
             <a:lvl4pPr>
-              <a:defRPr sz="1155"/>
+              <a:defRPr sz="630"/>
             </a:lvl4pPr>
             <a:lvl5pPr>
-              <a:defRPr sz="1155"/>
+              <a:defRPr sz="630"/>
             </a:lvl5pPr>
             <a:lvl6pPr>
-              <a:defRPr sz="1155"/>
+              <a:defRPr sz="630"/>
             </a:lvl6pPr>
             <a:lvl7pPr>
-              <a:defRPr sz="1155"/>
+              <a:defRPr sz="630"/>
             </a:lvl7pPr>
             <a:lvl8pPr>
-              <a:defRPr sz="1155"/>
+              <a:defRPr sz="630"/>
             </a:lvl8pPr>
             <a:lvl9pPr>
-              <a:defRPr sz="1155"/>
+              <a:defRPr sz="630"/>
             </a:lvl9pPr>
           </a:lstStyle>
           <a:p>
@@ -2023,8 +2028,8 @@
         </p:nvSpPr>
         <p:spPr>
           <a:xfrm>
-            <a:off x="545535" y="1187768"/>
-            <a:ext cx="2554418" cy="2200486"/>
+            <a:off x="347178" y="648176"/>
+            <a:ext cx="1625632" cy="1200827"/>
           </a:xfrm>
         </p:spPr>
         <p:txBody>
@@ -2032,39 +2037,39 @@
           <a:lstStyle>
             <a:lvl1pPr marL="0" indent="0">
               <a:buNone/>
-              <a:defRPr sz="924"/>
+              <a:defRPr sz="504"/>
             </a:lvl1pPr>
-            <a:lvl2pPr marL="263942" indent="0">
-              <a:buNone/>
-              <a:defRPr sz="808"/>
+            <a:lvl2pPr marL="144018" indent="0">
+              <a:buNone/>
+              <a:defRPr sz="441"/>
             </a:lvl2pPr>
-            <a:lvl3pPr marL="527883" indent="0">
-              <a:buNone/>
-              <a:defRPr sz="693"/>
+            <a:lvl3pPr marL="288036" indent="0">
+              <a:buNone/>
+              <a:defRPr sz="378"/>
             </a:lvl3pPr>
-            <a:lvl4pPr marL="791825" indent="0">
-              <a:buNone/>
-              <a:defRPr sz="577"/>
+            <a:lvl4pPr marL="432054" indent="0">
+              <a:buNone/>
+              <a:defRPr sz="315"/>
             </a:lvl4pPr>
-            <a:lvl5pPr marL="1055766" indent="0">
-              <a:buNone/>
-              <a:defRPr sz="577"/>
+            <a:lvl5pPr marL="576072" indent="0">
+              <a:buNone/>
+              <a:defRPr sz="315"/>
             </a:lvl5pPr>
-            <a:lvl6pPr marL="1319708" indent="0">
-              <a:buNone/>
-              <a:defRPr sz="577"/>
+            <a:lvl6pPr marL="720090" indent="0">
+              <a:buNone/>
+              <a:defRPr sz="315"/>
             </a:lvl6pPr>
-            <a:lvl7pPr marL="1583649" indent="0">
-              <a:buNone/>
-              <a:defRPr sz="577"/>
+            <a:lvl7pPr marL="864108" indent="0">
+              <a:buNone/>
+              <a:defRPr sz="315"/>
             </a:lvl7pPr>
-            <a:lvl8pPr marL="1847591" indent="0">
-              <a:buNone/>
-              <a:defRPr sz="577"/>
+            <a:lvl8pPr marL="1008126" indent="0">
+              <a:buNone/>
+              <a:defRPr sz="315"/>
             </a:lvl8pPr>
-            <a:lvl9pPr marL="2111532" indent="0">
-              <a:buNone/>
-              <a:defRPr sz="577"/>
+            <a:lvl9pPr marL="1152144" indent="0">
+              <a:buNone/>
+              <a:defRPr sz="315"/>
             </a:lvl9pPr>
           </a:lstStyle>
           <a:p>
@@ -2093,7 +2098,7 @@
           <a:p>
             <a:fld id="{C8AF0344-115F-42E2-BBD1-C4C012BFAD78}" type="datetimeFigureOut">
               <a:rPr lang="zh-CN" altLang="en-US" smtClean="0"/>
-              <a:t>2025/3/29</a:t>
+              <a:t>2025/5/28</a:t>
             </a:fld>
             <a:endParaRPr lang="zh-CN" altLang="en-US"/>
           </a:p>
@@ -2144,7 +2149,7 @@
     </p:spTree>
     <p:extLst>
       <p:ext uri="{BB962C8B-B14F-4D97-AF65-F5344CB8AC3E}">
-        <p14:creationId xmlns:p14="http://schemas.microsoft.com/office/powerpoint/2010/main" val="3639844135"/>
+        <p14:creationId xmlns:p14="http://schemas.microsoft.com/office/powerpoint/2010/main" val="3198347122"/>
       </p:ext>
     </p:extLst>
   </p:cSld>
@@ -2183,15 +2188,15 @@
         </p:nvSpPr>
         <p:spPr>
           <a:xfrm>
-            <a:off x="545535" y="263948"/>
-            <a:ext cx="2554418" cy="923819"/>
+            <a:off x="347178" y="144039"/>
+            <a:ext cx="1625632" cy="504137"/>
           </a:xfrm>
         </p:spPr>
         <p:txBody>
           <a:bodyPr anchor="b"/>
           <a:lstStyle>
             <a:lvl1pPr>
-              <a:defRPr sz="1847"/>
+              <a:defRPr sz="1008"/>
             </a:lvl1pPr>
           </a:lstStyle>
           <a:p>
@@ -2215,8 +2220,8 @@
         </p:nvSpPr>
         <p:spPr>
           <a:xfrm>
-            <a:off x="3367048" y="570055"/>
-            <a:ext cx="4009519" cy="2813616"/>
+            <a:off x="2142790" y="311085"/>
+            <a:ext cx="2551658" cy="1535418"/>
           </a:xfrm>
         </p:spPr>
         <p:txBody>
@@ -2224,39 +2229,39 @@
           <a:lstStyle>
             <a:lvl1pPr marL="0" indent="0">
               <a:buNone/>
-              <a:defRPr sz="1847"/>
+              <a:defRPr sz="1008"/>
             </a:lvl1pPr>
-            <a:lvl2pPr marL="263942" indent="0">
-              <a:buNone/>
-              <a:defRPr sz="1616"/>
+            <a:lvl2pPr marL="144018" indent="0">
+              <a:buNone/>
+              <a:defRPr sz="882"/>
             </a:lvl2pPr>
-            <a:lvl3pPr marL="527883" indent="0">
-              <a:buNone/>
-              <a:defRPr sz="1386"/>
+            <a:lvl3pPr marL="288036" indent="0">
+              <a:buNone/>
+              <a:defRPr sz="756"/>
             </a:lvl3pPr>
-            <a:lvl4pPr marL="791825" indent="0">
-              <a:buNone/>
-              <a:defRPr sz="1155"/>
+            <a:lvl4pPr marL="432054" indent="0">
+              <a:buNone/>
+              <a:defRPr sz="630"/>
             </a:lvl4pPr>
-            <a:lvl5pPr marL="1055766" indent="0">
-              <a:buNone/>
-              <a:defRPr sz="1155"/>
+            <a:lvl5pPr marL="576072" indent="0">
+              <a:buNone/>
+              <a:defRPr sz="630"/>
             </a:lvl5pPr>
-            <a:lvl6pPr marL="1319708" indent="0">
-              <a:buNone/>
-              <a:defRPr sz="1155"/>
+            <a:lvl6pPr marL="720090" indent="0">
+              <a:buNone/>
+              <a:defRPr sz="630"/>
             </a:lvl6pPr>
-            <a:lvl7pPr marL="1583649" indent="0">
-              <a:buNone/>
-              <a:defRPr sz="1155"/>
+            <a:lvl7pPr marL="864108" indent="0">
+              <a:buNone/>
+              <a:defRPr sz="630"/>
             </a:lvl7pPr>
-            <a:lvl8pPr marL="1847591" indent="0">
-              <a:buNone/>
-              <a:defRPr sz="1155"/>
+            <a:lvl8pPr marL="1008126" indent="0">
+              <a:buNone/>
+              <a:defRPr sz="630"/>
             </a:lvl8pPr>
-            <a:lvl9pPr marL="2111532" indent="0">
-              <a:buNone/>
-              <a:defRPr sz="1155"/>
+            <a:lvl9pPr marL="1152144" indent="0">
+              <a:buNone/>
+              <a:defRPr sz="630"/>
             </a:lvl9pPr>
           </a:lstStyle>
           <a:p>
@@ -2280,8 +2285,8 @@
         </p:nvSpPr>
         <p:spPr>
           <a:xfrm>
-            <a:off x="545535" y="1187768"/>
-            <a:ext cx="2554418" cy="2200486"/>
+            <a:off x="347178" y="648176"/>
+            <a:ext cx="1625632" cy="1200827"/>
           </a:xfrm>
         </p:spPr>
         <p:txBody>
@@ -2289,39 +2294,39 @@
           <a:lstStyle>
             <a:lvl1pPr marL="0" indent="0">
               <a:buNone/>
-              <a:defRPr sz="924"/>
+              <a:defRPr sz="504"/>
             </a:lvl1pPr>
-            <a:lvl2pPr marL="263942" indent="0">
-              <a:buNone/>
-              <a:defRPr sz="808"/>
+            <a:lvl2pPr marL="144018" indent="0">
+              <a:buNone/>
+              <a:defRPr sz="441"/>
             </a:lvl2pPr>
-            <a:lvl3pPr marL="527883" indent="0">
-              <a:buNone/>
-              <a:defRPr sz="693"/>
+            <a:lvl3pPr marL="288036" indent="0">
+              <a:buNone/>
+              <a:defRPr sz="378"/>
             </a:lvl3pPr>
-            <a:lvl4pPr marL="791825" indent="0">
-              <a:buNone/>
-              <a:defRPr sz="577"/>
+            <a:lvl4pPr marL="432054" indent="0">
+              <a:buNone/>
+              <a:defRPr sz="315"/>
             </a:lvl4pPr>
-            <a:lvl5pPr marL="1055766" indent="0">
-              <a:buNone/>
-              <a:defRPr sz="577"/>
+            <a:lvl5pPr marL="576072" indent="0">
+              <a:buNone/>
+              <a:defRPr sz="315"/>
             </a:lvl5pPr>
-            <a:lvl6pPr marL="1319708" indent="0">
-              <a:buNone/>
-              <a:defRPr sz="577"/>
+            <a:lvl6pPr marL="720090" indent="0">
+              <a:buNone/>
+              <a:defRPr sz="315"/>
             </a:lvl6pPr>
-            <a:lvl7pPr marL="1583649" indent="0">
-              <a:buNone/>
-              <a:defRPr sz="577"/>
+            <a:lvl7pPr marL="864108" indent="0">
+              <a:buNone/>
+              <a:defRPr sz="315"/>
             </a:lvl7pPr>
-            <a:lvl8pPr marL="1847591" indent="0">
-              <a:buNone/>
-              <a:defRPr sz="577"/>
+            <a:lvl8pPr marL="1008126" indent="0">
+              <a:buNone/>
+              <a:defRPr sz="315"/>
             </a:lvl8pPr>
-            <a:lvl9pPr marL="2111532" indent="0">
-              <a:buNone/>
-              <a:defRPr sz="577"/>
+            <a:lvl9pPr marL="1152144" indent="0">
+              <a:buNone/>
+              <a:defRPr sz="315"/>
             </a:lvl9pPr>
           </a:lstStyle>
           <a:p>
@@ -2350,7 +2355,7 @@
           <a:p>
             <a:fld id="{C8AF0344-115F-42E2-BBD1-C4C012BFAD78}" type="datetimeFigureOut">
               <a:rPr lang="zh-CN" altLang="en-US" smtClean="0"/>
-              <a:t>2025/3/29</a:t>
+              <a:t>2025/5/28</a:t>
             </a:fld>
             <a:endParaRPr lang="zh-CN" altLang="en-US"/>
           </a:p>
@@ -2401,7 +2406,7 @@
     </p:spTree>
     <p:extLst>
       <p:ext uri="{BB962C8B-B14F-4D97-AF65-F5344CB8AC3E}">
-        <p14:creationId xmlns:p14="http://schemas.microsoft.com/office/powerpoint/2010/main" val="2582762569"/>
+        <p14:creationId xmlns:p14="http://schemas.microsoft.com/office/powerpoint/2010/main" val="537427962"/>
       </p:ext>
     </p:extLst>
   </p:cSld>
@@ -2445,8 +2450,8 @@
         </p:nvSpPr>
         <p:spPr>
           <a:xfrm>
-            <a:off x="544503" y="210792"/>
-            <a:ext cx="6831033" cy="765267"/>
+            <a:off x="346522" y="115031"/>
+            <a:ext cx="4347270" cy="417614"/>
           </a:xfrm>
           <a:prstGeom prst="rect">
             <a:avLst/>
@@ -2478,8 +2483,8 @@
         </p:nvSpPr>
         <p:spPr>
           <a:xfrm>
-            <a:off x="544503" y="1053960"/>
-            <a:ext cx="6831033" cy="2512092"/>
+            <a:off x="346522" y="575157"/>
+            <a:ext cx="4347270" cy="1370873"/>
           </a:xfrm>
           <a:prstGeom prst="rect">
             <a:avLst/>
@@ -2540,8 +2545,8 @@
         </p:nvSpPr>
         <p:spPr>
           <a:xfrm>
-            <a:off x="544502" y="3669615"/>
-            <a:ext cx="1782009" cy="210792"/>
+            <a:off x="346522" y="2002545"/>
+            <a:ext cx="1134070" cy="115031"/>
           </a:xfrm>
           <a:prstGeom prst="rect">
             <a:avLst/>
@@ -2551,7 +2556,7 @@
           <a:bodyPr vert="horz" lIns="91440" tIns="45720" rIns="91440" bIns="45720" rtlCol="0" anchor="ctr"/>
           <a:lstStyle>
             <a:lvl1pPr algn="l">
-              <a:defRPr sz="693">
+              <a:defRPr sz="378">
                 <a:solidFill>
                   <a:schemeClr val="tx1">
                     <a:tint val="75000"/>
@@ -2563,7 +2568,7 @@
           <a:p>
             <a:fld id="{C8AF0344-115F-42E2-BBD1-C4C012BFAD78}" type="datetimeFigureOut">
               <a:rPr lang="zh-CN" altLang="en-US" smtClean="0"/>
-              <a:t>2025/3/29</a:t>
+              <a:t>2025/5/28</a:t>
             </a:fld>
             <a:endParaRPr lang="zh-CN" altLang="en-US"/>
           </a:p>
@@ -2581,8 +2586,8 @@
         </p:nvSpPr>
         <p:spPr>
           <a:xfrm>
-            <a:off x="2623513" y="3669615"/>
-            <a:ext cx="2673013" cy="210792"/>
+            <a:off x="1669604" y="2002545"/>
+            <a:ext cx="1701106" cy="115031"/>
           </a:xfrm>
           <a:prstGeom prst="rect">
             <a:avLst/>
@@ -2592,7 +2597,7 @@
           <a:bodyPr vert="horz" lIns="91440" tIns="45720" rIns="91440" bIns="45720" rtlCol="0" anchor="ctr"/>
           <a:lstStyle>
             <a:lvl1pPr algn="ctr">
-              <a:defRPr sz="693">
+              <a:defRPr sz="378">
                 <a:solidFill>
                   <a:schemeClr val="tx1">
                     <a:tint val="75000"/>
@@ -2618,8 +2623,8 @@
         </p:nvSpPr>
         <p:spPr>
           <a:xfrm>
-            <a:off x="5593527" y="3669615"/>
-            <a:ext cx="1782009" cy="210792"/>
+            <a:off x="3559721" y="2002545"/>
+            <a:ext cx="1134070" cy="115031"/>
           </a:xfrm>
           <a:prstGeom prst="rect">
             <a:avLst/>
@@ -2629,7 +2634,7 @@
           <a:bodyPr vert="horz" lIns="91440" tIns="45720" rIns="91440" bIns="45720" rtlCol="0" anchor="ctr"/>
           <a:lstStyle>
             <a:lvl1pPr algn="r">
-              <a:defRPr sz="693">
+              <a:defRPr sz="378">
                 <a:solidFill>
                   <a:schemeClr val="tx1">
                     <a:tint val="75000"/>
@@ -2650,27 +2655,27 @@
     </p:spTree>
     <p:extLst>
       <p:ext uri="{BB962C8B-B14F-4D97-AF65-F5344CB8AC3E}">
-        <p14:creationId xmlns:p14="http://schemas.microsoft.com/office/powerpoint/2010/main" val="2703407960"/>
+        <p14:creationId xmlns:p14="http://schemas.microsoft.com/office/powerpoint/2010/main" val="1153257288"/>
       </p:ext>
     </p:extLst>
   </p:cSld>
   <p:clrMap bg1="lt1" tx1="dk1" bg2="lt2" tx2="dk2" accent1="accent1" accent2="accent2" accent3="accent3" accent4="accent4" accent5="accent5" accent6="accent6" hlink="hlink" folHlink="folHlink"/>
   <p:sldLayoutIdLst>
-    <p:sldLayoutId id="2147483673" r:id="rId1"/>
-    <p:sldLayoutId id="2147483674" r:id="rId2"/>
-    <p:sldLayoutId id="2147483675" r:id="rId3"/>
-    <p:sldLayoutId id="2147483676" r:id="rId4"/>
-    <p:sldLayoutId id="2147483677" r:id="rId5"/>
-    <p:sldLayoutId id="2147483678" r:id="rId6"/>
-    <p:sldLayoutId id="2147483679" r:id="rId7"/>
-    <p:sldLayoutId id="2147483680" r:id="rId8"/>
-    <p:sldLayoutId id="2147483681" r:id="rId9"/>
-    <p:sldLayoutId id="2147483682" r:id="rId10"/>
-    <p:sldLayoutId id="2147483683" r:id="rId11"/>
+    <p:sldLayoutId id="2147483697" r:id="rId1"/>
+    <p:sldLayoutId id="2147483698" r:id="rId2"/>
+    <p:sldLayoutId id="2147483699" r:id="rId3"/>
+    <p:sldLayoutId id="2147483700" r:id="rId4"/>
+    <p:sldLayoutId id="2147483701" r:id="rId5"/>
+    <p:sldLayoutId id="2147483702" r:id="rId6"/>
+    <p:sldLayoutId id="2147483703" r:id="rId7"/>
+    <p:sldLayoutId id="2147483704" r:id="rId8"/>
+    <p:sldLayoutId id="2147483705" r:id="rId9"/>
+    <p:sldLayoutId id="2147483706" r:id="rId10"/>
+    <p:sldLayoutId id="2147483707" r:id="rId11"/>
   </p:sldLayoutIdLst>
   <p:txStyles>
     <p:titleStyle>
-      <a:lvl1pPr algn="l" defTabSz="527883" rtl="0" eaLnBrk="1" latinLnBrk="0" hangingPunct="1">
+      <a:lvl1pPr algn="l" defTabSz="288036" rtl="0" eaLnBrk="1" latinLnBrk="0" hangingPunct="1">
         <a:lnSpc>
           <a:spcPct val="90000"/>
         </a:lnSpc>
@@ -2678,7 +2683,7 @@
           <a:spcPct val="0"/>
         </a:spcBef>
         <a:buNone/>
-        <a:defRPr sz="2540" kern="1200">
+        <a:defRPr sz="1386" kern="1200">
           <a:solidFill>
             <a:schemeClr val="tx1"/>
           </a:solidFill>
@@ -2689,16 +2694,16 @@
       </a:lvl1pPr>
     </p:titleStyle>
     <p:bodyStyle>
-      <a:lvl1pPr marL="131971" indent="-131971" algn="l" defTabSz="527883" rtl="0" eaLnBrk="1" latinLnBrk="0" hangingPunct="1">
+      <a:lvl1pPr marL="72009" indent="-72009" algn="l" defTabSz="288036" rtl="0" eaLnBrk="1" latinLnBrk="0" hangingPunct="1">
         <a:lnSpc>
           <a:spcPct val="90000"/>
         </a:lnSpc>
         <a:spcBef>
-          <a:spcPts val="577"/>
+          <a:spcPts val="315"/>
         </a:spcBef>
         <a:buFont typeface="Arial" panose="020B0604020202020204" pitchFamily="34" charset="0"/>
         <a:buChar char="•"/>
-        <a:defRPr sz="1616" kern="1200">
+        <a:defRPr sz="882" kern="1200">
           <a:solidFill>
             <a:schemeClr val="tx1"/>
           </a:solidFill>
@@ -2707,16 +2712,16 @@
           <a:cs typeface="+mn-cs"/>
         </a:defRPr>
       </a:lvl1pPr>
-      <a:lvl2pPr marL="395912" indent="-131971" algn="l" defTabSz="527883" rtl="0" eaLnBrk="1" latinLnBrk="0" hangingPunct="1">
+      <a:lvl2pPr marL="216027" indent="-72009" algn="l" defTabSz="288036" rtl="0" eaLnBrk="1" latinLnBrk="0" hangingPunct="1">
         <a:lnSpc>
           <a:spcPct val="90000"/>
         </a:lnSpc>
         <a:spcBef>
-          <a:spcPts val="289"/>
+          <a:spcPts val="158"/>
         </a:spcBef>
         <a:buFont typeface="Arial" panose="020B0604020202020204" pitchFamily="34" charset="0"/>
         <a:buChar char="•"/>
-        <a:defRPr sz="1386" kern="1200">
+        <a:defRPr sz="756" kern="1200">
           <a:solidFill>
             <a:schemeClr val="tx1"/>
           </a:solidFill>
@@ -2725,16 +2730,16 @@
           <a:cs typeface="+mn-cs"/>
         </a:defRPr>
       </a:lvl2pPr>
-      <a:lvl3pPr marL="659854" indent="-131971" algn="l" defTabSz="527883" rtl="0" eaLnBrk="1" latinLnBrk="0" hangingPunct="1">
+      <a:lvl3pPr marL="360045" indent="-72009" algn="l" defTabSz="288036" rtl="0" eaLnBrk="1" latinLnBrk="0" hangingPunct="1">
         <a:lnSpc>
           <a:spcPct val="90000"/>
         </a:lnSpc>
         <a:spcBef>
-          <a:spcPts val="289"/>
+          <a:spcPts val="158"/>
         </a:spcBef>
         <a:buFont typeface="Arial" panose="020B0604020202020204" pitchFamily="34" charset="0"/>
         <a:buChar char="•"/>
-        <a:defRPr sz="1155" kern="1200">
+        <a:defRPr sz="630" kern="1200">
           <a:solidFill>
             <a:schemeClr val="tx1"/>
           </a:solidFill>
@@ -2743,16 +2748,16 @@
           <a:cs typeface="+mn-cs"/>
         </a:defRPr>
       </a:lvl3pPr>
-      <a:lvl4pPr marL="923795" indent="-131971" algn="l" defTabSz="527883" rtl="0" eaLnBrk="1" latinLnBrk="0" hangingPunct="1">
+      <a:lvl4pPr marL="504063" indent="-72009" algn="l" defTabSz="288036" rtl="0" eaLnBrk="1" latinLnBrk="0" hangingPunct="1">
         <a:lnSpc>
           <a:spcPct val="90000"/>
         </a:lnSpc>
         <a:spcBef>
-          <a:spcPts val="289"/>
+          <a:spcPts val="158"/>
         </a:spcBef>
         <a:buFont typeface="Arial" panose="020B0604020202020204" pitchFamily="34" charset="0"/>
         <a:buChar char="•"/>
-        <a:defRPr sz="1039" kern="1200">
+        <a:defRPr sz="567" kern="1200">
           <a:solidFill>
             <a:schemeClr val="tx1"/>
           </a:solidFill>
@@ -2761,16 +2766,16 @@
           <a:cs typeface="+mn-cs"/>
         </a:defRPr>
       </a:lvl4pPr>
-      <a:lvl5pPr marL="1187737" indent="-131971" algn="l" defTabSz="527883" rtl="0" eaLnBrk="1" latinLnBrk="0" hangingPunct="1">
+      <a:lvl5pPr marL="648081" indent="-72009" algn="l" defTabSz="288036" rtl="0" eaLnBrk="1" latinLnBrk="0" hangingPunct="1">
         <a:lnSpc>
           <a:spcPct val="90000"/>
         </a:lnSpc>
         <a:spcBef>
-          <a:spcPts val="289"/>
+          <a:spcPts val="158"/>
         </a:spcBef>
         <a:buFont typeface="Arial" panose="020B0604020202020204" pitchFamily="34" charset="0"/>
         <a:buChar char="•"/>
-        <a:defRPr sz="1039" kern="1200">
+        <a:defRPr sz="567" kern="1200">
           <a:solidFill>
             <a:schemeClr val="tx1"/>
           </a:solidFill>
@@ -2779,16 +2784,16 @@
           <a:cs typeface="+mn-cs"/>
         </a:defRPr>
       </a:lvl5pPr>
-      <a:lvl6pPr marL="1451679" indent="-131971" algn="l" defTabSz="527883" rtl="0" eaLnBrk="1" latinLnBrk="0" hangingPunct="1">
+      <a:lvl6pPr marL="792099" indent="-72009" algn="l" defTabSz="288036" rtl="0" eaLnBrk="1" latinLnBrk="0" hangingPunct="1">
         <a:lnSpc>
           <a:spcPct val="90000"/>
         </a:lnSpc>
         <a:spcBef>
-          <a:spcPts val="289"/>
+          <a:spcPts val="158"/>
         </a:spcBef>
         <a:buFont typeface="Arial" panose="020B0604020202020204" pitchFamily="34" charset="0"/>
         <a:buChar char="•"/>
-        <a:defRPr sz="1039" kern="1200">
+        <a:defRPr sz="567" kern="1200">
           <a:solidFill>
             <a:schemeClr val="tx1"/>
           </a:solidFill>
@@ -2797,16 +2802,16 @@
           <a:cs typeface="+mn-cs"/>
         </a:defRPr>
       </a:lvl6pPr>
-      <a:lvl7pPr marL="1715620" indent="-131971" algn="l" defTabSz="527883" rtl="0" eaLnBrk="1" latinLnBrk="0" hangingPunct="1">
+      <a:lvl7pPr marL="936117" indent="-72009" algn="l" defTabSz="288036" rtl="0" eaLnBrk="1" latinLnBrk="0" hangingPunct="1">
         <a:lnSpc>
           <a:spcPct val="90000"/>
         </a:lnSpc>
         <a:spcBef>
-          <a:spcPts val="289"/>
+          <a:spcPts val="158"/>
         </a:spcBef>
         <a:buFont typeface="Arial" panose="020B0604020202020204" pitchFamily="34" charset="0"/>
         <a:buChar char="•"/>
-        <a:defRPr sz="1039" kern="1200">
+        <a:defRPr sz="567" kern="1200">
           <a:solidFill>
             <a:schemeClr val="tx1"/>
           </a:solidFill>
@@ -2815,16 +2820,16 @@
           <a:cs typeface="+mn-cs"/>
         </a:defRPr>
       </a:lvl7pPr>
-      <a:lvl8pPr marL="1979562" indent="-131971" algn="l" defTabSz="527883" rtl="0" eaLnBrk="1" latinLnBrk="0" hangingPunct="1">
+      <a:lvl8pPr marL="1080135" indent="-72009" algn="l" defTabSz="288036" rtl="0" eaLnBrk="1" latinLnBrk="0" hangingPunct="1">
         <a:lnSpc>
           <a:spcPct val="90000"/>
         </a:lnSpc>
         <a:spcBef>
-          <a:spcPts val="289"/>
+          <a:spcPts val="158"/>
         </a:spcBef>
         <a:buFont typeface="Arial" panose="020B0604020202020204" pitchFamily="34" charset="0"/>
         <a:buChar char="•"/>
-        <a:defRPr sz="1039" kern="1200">
+        <a:defRPr sz="567" kern="1200">
           <a:solidFill>
             <a:schemeClr val="tx1"/>
           </a:solidFill>
@@ -2833,16 +2838,16 @@
           <a:cs typeface="+mn-cs"/>
         </a:defRPr>
       </a:lvl8pPr>
-      <a:lvl9pPr marL="2243503" indent="-131971" algn="l" defTabSz="527883" rtl="0" eaLnBrk="1" latinLnBrk="0" hangingPunct="1">
+      <a:lvl9pPr marL="1224153" indent="-72009" algn="l" defTabSz="288036" rtl="0" eaLnBrk="1" latinLnBrk="0" hangingPunct="1">
         <a:lnSpc>
           <a:spcPct val="90000"/>
         </a:lnSpc>
         <a:spcBef>
-          <a:spcPts val="289"/>
+          <a:spcPts val="158"/>
         </a:spcBef>
         <a:buFont typeface="Arial" panose="020B0604020202020204" pitchFamily="34" charset="0"/>
         <a:buChar char="•"/>
-        <a:defRPr sz="1039" kern="1200">
+        <a:defRPr sz="567" kern="1200">
           <a:solidFill>
             <a:schemeClr val="tx1"/>
           </a:solidFill>
@@ -2856,8 +2861,8 @@
       <a:defPPr>
         <a:defRPr lang="en-US"/>
       </a:defPPr>
-      <a:lvl1pPr marL="0" algn="l" defTabSz="527883" rtl="0" eaLnBrk="1" latinLnBrk="0" hangingPunct="1">
-        <a:defRPr sz="1039" kern="1200">
+      <a:lvl1pPr marL="0" algn="l" defTabSz="288036" rtl="0" eaLnBrk="1" latinLnBrk="0" hangingPunct="1">
+        <a:defRPr sz="567" kern="1200">
           <a:solidFill>
             <a:schemeClr val="tx1"/>
           </a:solidFill>
@@ -2866,8 +2871,8 @@
           <a:cs typeface="+mn-cs"/>
         </a:defRPr>
       </a:lvl1pPr>
-      <a:lvl2pPr marL="263942" algn="l" defTabSz="527883" rtl="0" eaLnBrk="1" latinLnBrk="0" hangingPunct="1">
-        <a:defRPr sz="1039" kern="1200">
+      <a:lvl2pPr marL="144018" algn="l" defTabSz="288036" rtl="0" eaLnBrk="1" latinLnBrk="0" hangingPunct="1">
+        <a:defRPr sz="567" kern="1200">
           <a:solidFill>
             <a:schemeClr val="tx1"/>
           </a:solidFill>
@@ -2876,8 +2881,8 @@
           <a:cs typeface="+mn-cs"/>
         </a:defRPr>
       </a:lvl2pPr>
-      <a:lvl3pPr marL="527883" algn="l" defTabSz="527883" rtl="0" eaLnBrk="1" latinLnBrk="0" hangingPunct="1">
-        <a:defRPr sz="1039" kern="1200">
+      <a:lvl3pPr marL="288036" algn="l" defTabSz="288036" rtl="0" eaLnBrk="1" latinLnBrk="0" hangingPunct="1">
+        <a:defRPr sz="567" kern="1200">
           <a:solidFill>
             <a:schemeClr val="tx1"/>
           </a:solidFill>
@@ -2886,8 +2891,8 @@
           <a:cs typeface="+mn-cs"/>
         </a:defRPr>
       </a:lvl3pPr>
-      <a:lvl4pPr marL="791825" algn="l" defTabSz="527883" rtl="0" eaLnBrk="1" latinLnBrk="0" hangingPunct="1">
-        <a:defRPr sz="1039" kern="1200">
+      <a:lvl4pPr marL="432054" algn="l" defTabSz="288036" rtl="0" eaLnBrk="1" latinLnBrk="0" hangingPunct="1">
+        <a:defRPr sz="567" kern="1200">
           <a:solidFill>
             <a:schemeClr val="tx1"/>
           </a:solidFill>
@@ -2896,8 +2901,8 @@
           <a:cs typeface="+mn-cs"/>
         </a:defRPr>
       </a:lvl4pPr>
-      <a:lvl5pPr marL="1055766" algn="l" defTabSz="527883" rtl="0" eaLnBrk="1" latinLnBrk="0" hangingPunct="1">
-        <a:defRPr sz="1039" kern="1200">
+      <a:lvl5pPr marL="576072" algn="l" defTabSz="288036" rtl="0" eaLnBrk="1" latinLnBrk="0" hangingPunct="1">
+        <a:defRPr sz="567" kern="1200">
           <a:solidFill>
             <a:schemeClr val="tx1"/>
           </a:solidFill>
@@ -2906,8 +2911,8 @@
           <a:cs typeface="+mn-cs"/>
         </a:defRPr>
       </a:lvl5pPr>
-      <a:lvl6pPr marL="1319708" algn="l" defTabSz="527883" rtl="0" eaLnBrk="1" latinLnBrk="0" hangingPunct="1">
-        <a:defRPr sz="1039" kern="1200">
+      <a:lvl6pPr marL="720090" algn="l" defTabSz="288036" rtl="0" eaLnBrk="1" latinLnBrk="0" hangingPunct="1">
+        <a:defRPr sz="567" kern="1200">
           <a:solidFill>
             <a:schemeClr val="tx1"/>
           </a:solidFill>
@@ -2916,8 +2921,8 @@
           <a:cs typeface="+mn-cs"/>
         </a:defRPr>
       </a:lvl6pPr>
-      <a:lvl7pPr marL="1583649" algn="l" defTabSz="527883" rtl="0" eaLnBrk="1" latinLnBrk="0" hangingPunct="1">
-        <a:defRPr sz="1039" kern="1200">
+      <a:lvl7pPr marL="864108" algn="l" defTabSz="288036" rtl="0" eaLnBrk="1" latinLnBrk="0" hangingPunct="1">
+        <a:defRPr sz="567" kern="1200">
           <a:solidFill>
             <a:schemeClr val="tx1"/>
           </a:solidFill>
@@ -2926,8 +2931,8 @@
           <a:cs typeface="+mn-cs"/>
         </a:defRPr>
       </a:lvl7pPr>
-      <a:lvl8pPr marL="1847591" algn="l" defTabSz="527883" rtl="0" eaLnBrk="1" latinLnBrk="0" hangingPunct="1">
-        <a:defRPr sz="1039" kern="1200">
+      <a:lvl8pPr marL="1008126" algn="l" defTabSz="288036" rtl="0" eaLnBrk="1" latinLnBrk="0" hangingPunct="1">
+        <a:defRPr sz="567" kern="1200">
           <a:solidFill>
             <a:schemeClr val="tx1"/>
           </a:solidFill>
@@ -2936,8 +2941,8 @@
           <a:cs typeface="+mn-cs"/>
         </a:defRPr>
       </a:lvl8pPr>
-      <a:lvl9pPr marL="2111532" algn="l" defTabSz="527883" rtl="0" eaLnBrk="1" latinLnBrk="0" hangingPunct="1">
-        <a:defRPr sz="1039" kern="1200">
+      <a:lvl9pPr marL="1152144" algn="l" defTabSz="288036" rtl="0" eaLnBrk="1" latinLnBrk="0" hangingPunct="1">
+        <a:defRPr sz="567" kern="1200">
           <a:solidFill>
             <a:schemeClr val="tx1"/>
           </a:solidFill>
@@ -2984,14 +2989,13 @@
         </p:nvPicPr>
         <p:blipFill>
           <a:blip r:embed="rId2"/>
-          <a:stretch>
-            <a:fillRect/>
-          </a:stretch>
+          <a:srcRect b="57555"/>
+          <a:stretch/>
         </p:blipFill>
         <p:spPr>
           <a:xfrm>
-            <a:off x="53499" y="746939"/>
-            <a:ext cx="1514718" cy="3166249"/>
+            <a:off x="8466" y="639234"/>
+            <a:ext cx="1705167" cy="1512888"/>
           </a:xfrm>
           <a:prstGeom prst="rect">
             <a:avLst/>
@@ -3014,8 +3018,8 @@
         </p:nvCxnSpPr>
         <p:spPr>
           <a:xfrm flipV="1">
-            <a:off x="1056164" y="949088"/>
-            <a:ext cx="980506" cy="402167"/>
+            <a:off x="1127377" y="999217"/>
+            <a:ext cx="929547" cy="335197"/>
           </a:xfrm>
           <a:prstGeom prst="line">
             <a:avLst/>
@@ -3056,8 +3060,8 @@
         </p:nvSpPr>
         <p:spPr>
           <a:xfrm>
-            <a:off x="53499" y="46037"/>
-            <a:ext cx="2107566" cy="646331"/>
+            <a:off x="-73025" y="-42333"/>
+            <a:ext cx="1924950" cy="646331"/>
           </a:xfrm>
           <a:prstGeom prst="rect">
             <a:avLst/>
@@ -3075,21 +3079,28 @@
                 <a:latin typeface="Arial" panose="020B0604020202020204" pitchFamily="34" charset="0"/>
                 <a:cs typeface="Arial" panose="020B0604020202020204" pitchFamily="34" charset="0"/>
               </a:rPr>
-              <a:t>Attach Pre-defined Mono Script Component </a:t>
+              <a:t>Attach Predefined Mono Script </a:t>
+            </a:r>
+            <a:r>
+              <a:rPr lang="en-US" altLang="zh-CN" sz="1050" dirty="0">
+                <a:latin typeface="Consolas" panose="020B0609020204030204" pitchFamily="49" charset="0"/>
+                <a:cs typeface="Arial" panose="020B0604020202020204" pitchFamily="34" charset="0"/>
+              </a:rPr>
+              <a:t>XRTriggerable</a:t>
+            </a:r>
+            <a:r>
+              <a:rPr lang="en-US" altLang="zh-CN" sz="1200" dirty="0">
+                <a:latin typeface="Arial" panose="020B0604020202020204" pitchFamily="34" charset="0"/>
+                <a:cs typeface="Arial" panose="020B0604020202020204" pitchFamily="34" charset="0"/>
+              </a:rPr>
+              <a:t> to a Button </a:t>
             </a:r>
             <a:r>
               <a:rPr lang="en-US" altLang="zh-CN" sz="1200" dirty="0" err="1">
                 <a:latin typeface="Arial" panose="020B0604020202020204" pitchFamily="34" charset="0"/>
                 <a:cs typeface="Arial" panose="020B0604020202020204" pitchFamily="34" charset="0"/>
               </a:rPr>
-              <a:t>XRTriggerable</a:t>
-            </a:r>
-            <a:r>
-              <a:rPr lang="en-US" altLang="zh-CN" sz="1200" dirty="0">
-                <a:latin typeface="Arial" panose="020B0604020202020204" pitchFamily="34" charset="0"/>
-                <a:cs typeface="Arial" panose="020B0604020202020204" pitchFamily="34" charset="0"/>
-              </a:rPr>
-              <a:t> to a Button</a:t>
+              <a:t>GameObject</a:t>
             </a:r>
             <a:endParaRPr lang="zh-CN" altLang="en-US" sz="1200" dirty="0">
               <a:latin typeface="Arial" panose="020B0604020202020204" pitchFamily="34" charset="0"/>
@@ -3120,8 +3131,8 @@
         </p:blipFill>
         <p:spPr>
           <a:xfrm>
-            <a:off x="2036670" y="46037"/>
-            <a:ext cx="5829300" cy="3867150"/>
+            <a:off x="1783466" y="1"/>
+            <a:ext cx="3256847" cy="2160588"/>
           </a:xfrm>
           <a:prstGeom prst="rect">
             <a:avLst/>

--- a/Paper Reading/____Writing/Fig_Pre-defined Mono XRTriggerable.pptx
+++ b/Paper Reading/____Writing/Fig_Pre-defined Mono XRTriggerable.pptx
@@ -2988,13 +2988,25 @@
           <p:nvPr/>
         </p:nvPicPr>
         <p:blipFill>
-          <a:blip r:embed="rId2"/>
+          <a:blip r:embed="rId2">
+            <a:extLst>
+              <a:ext uri="{BEBA8EAE-BF5A-486C-A8C5-ECC9F3942E4B}">
+                <a14:imgProps xmlns:a14="http://schemas.microsoft.com/office/drawing/2010/main">
+                  <a14:imgLayer r:embed="rId3">
+                    <a14:imgEffect>
+                      <a14:brightnessContrast bright="20000"/>
+                    </a14:imgEffect>
+                  </a14:imgLayer>
+                </a14:imgProps>
+              </a:ext>
+            </a:extLst>
+          </a:blip>
           <a:srcRect b="57555"/>
           <a:stretch/>
         </p:blipFill>
         <p:spPr>
           <a:xfrm>
-            <a:off x="8466" y="639234"/>
+            <a:off x="0" y="647700"/>
             <a:ext cx="1705167" cy="1512888"/>
           </a:xfrm>
           <a:prstGeom prst="rect">
@@ -3018,7 +3030,7 @@
         </p:nvCxnSpPr>
         <p:spPr>
           <a:xfrm flipV="1">
-            <a:off x="1127377" y="999217"/>
+            <a:off x="1104478" y="983342"/>
             <a:ext cx="929547" cy="335197"/>
           </a:xfrm>
           <a:prstGeom prst="line">
@@ -3060,7 +3072,7 @@
         </p:nvSpPr>
         <p:spPr>
           <a:xfrm>
-            <a:off x="-73025" y="-42333"/>
+            <a:off x="-66676" y="-44450"/>
             <a:ext cx="1924950" cy="646331"/>
           </a:xfrm>
           <a:prstGeom prst="rect">
@@ -3124,14 +3136,26 @@
           <p:nvPr/>
         </p:nvPicPr>
         <p:blipFill>
-          <a:blip r:embed="rId3"/>
+          <a:blip r:embed="rId4">
+            <a:extLst>
+              <a:ext uri="{BEBA8EAE-BF5A-486C-A8C5-ECC9F3942E4B}">
+                <a14:imgProps xmlns:a14="http://schemas.microsoft.com/office/drawing/2010/main">
+                  <a14:imgLayer r:embed="rId5">
+                    <a14:imgEffect>
+                      <a14:brightnessContrast bright="20000"/>
+                    </a14:imgEffect>
+                  </a14:imgLayer>
+                </a14:imgProps>
+              </a:ext>
+            </a:extLst>
+          </a:blip>
           <a:stretch>
             <a:fillRect/>
           </a:stretch>
         </p:blipFill>
         <p:spPr>
           <a:xfrm>
-            <a:off x="1783466" y="1"/>
+            <a:off x="1783466" y="0"/>
             <a:ext cx="3256847" cy="2160588"/>
           </a:xfrm>
           <a:prstGeom prst="rect">
